--- a/docs/Salinasv1.1.pptx
+++ b/docs/Salinasv1.1.pptx
@@ -109,6 +109,11 @@
       </a:defRPr>
     </a:lvl9pPr>
   </p:defaultTextStyle>
+  <p:extLst>
+    <p:ext uri="{EFAFB233-063F-42B5-8137-9DF3F51BA10A}">
+      <p15:sldGuideLst xmlns:p15="http://schemas.microsoft.com/office/powerpoint/2012/main"/>
+    </p:ext>
+  </p:extLst>
 </p:presentation>
 </file>
 
@@ -3326,6 +3331,94 @@
           <a:chExt cx="0" cy="0"/>
         </a:xfrm>
       </p:grpSpPr>
+      <p:pic>
+        <p:nvPicPr>
+          <p:cNvPr id="3" name="Picture 2" descr="A picture containing electronics, circuit&#10;&#10;Description automatically generated">
+            <a:extLst>
+              <a:ext uri="{FF2B5EF4-FFF2-40B4-BE49-F238E27FC236}">
+                <a16:creationId xmlns:a16="http://schemas.microsoft.com/office/drawing/2014/main" id="{1CA6D5AA-2BFE-4E72-850F-840F1D5F92BA}"/>
+              </a:ext>
+            </a:extLst>
+          </p:cNvPr>
+          <p:cNvPicPr>
+            <a:picLocks noChangeAspect="1"/>
+          </p:cNvPicPr>
+          <p:nvPr/>
+        </p:nvPicPr>
+        <p:blipFill>
+          <a:blip r:embed="rId2">
+            <a:extLst>
+              <a:ext uri="{28A0092B-C50C-407E-A947-70E740481C1C}">
+                <a14:useLocalDpi xmlns:a14="http://schemas.microsoft.com/office/drawing/2010/main" val="0"/>
+              </a:ext>
+            </a:extLst>
+          </a:blip>
+          <a:stretch>
+            <a:fillRect/>
+          </a:stretch>
+        </p:blipFill>
+        <p:spPr>
+          <a:xfrm>
+            <a:off x="1026082" y="661264"/>
+            <a:ext cx="9599364" cy="5535471"/>
+          </a:xfrm>
+          <a:prstGeom prst="rect">
+            <a:avLst/>
+          </a:prstGeom>
+        </p:spPr>
+      </p:pic>
+      <p:sp>
+        <p:nvSpPr>
+          <p:cNvPr id="4" name="Rectangle 3">
+            <a:extLst>
+              <a:ext uri="{FF2B5EF4-FFF2-40B4-BE49-F238E27FC236}">
+                <a16:creationId xmlns:a16="http://schemas.microsoft.com/office/drawing/2014/main" id="{5E078681-F0CC-4DA8-A8B1-55C3E0F670FA}"/>
+              </a:ext>
+            </a:extLst>
+          </p:cNvPr>
+          <p:cNvSpPr/>
+          <p:nvPr/>
+        </p:nvSpPr>
+        <p:spPr>
+          <a:xfrm>
+            <a:off x="6707926" y="760837"/>
+            <a:ext cx="230345" cy="362968"/>
+          </a:xfrm>
+          <a:prstGeom prst="rect">
+            <a:avLst/>
+          </a:prstGeom>
+          <a:noFill/>
+          <a:ln w="19050">
+            <a:solidFill>
+              <a:srgbClr val="00B0F0"/>
+            </a:solidFill>
+          </a:ln>
+        </p:spPr>
+        <p:style>
+          <a:lnRef idx="2">
+            <a:schemeClr val="accent1">
+              <a:shade val="50000"/>
+            </a:schemeClr>
+          </a:lnRef>
+          <a:fillRef idx="1">
+            <a:schemeClr val="accent1"/>
+          </a:fillRef>
+          <a:effectRef idx="0">
+            <a:schemeClr val="accent1"/>
+          </a:effectRef>
+          <a:fontRef idx="minor">
+            <a:schemeClr val="lt1"/>
+          </a:fontRef>
+        </p:style>
+        <p:txBody>
+          <a:bodyPr rtlCol="0" anchor="ctr"/>
+          <a:lstStyle/>
+          <a:p>
+            <a:pPr algn="ctr"/>
+            <a:endParaRPr lang="en-US" dirty="0"/>
+          </a:p>
+        </p:txBody>
+      </p:sp>
     </p:spTree>
     <p:extLst>
       <p:ext uri="{BB962C8B-B14F-4D97-AF65-F5344CB8AC3E}">
@@ -3356,6 +3449,317 @@
           <a:chExt cx="0" cy="0"/>
         </a:xfrm>
       </p:grpSpPr>
+      <p:grpSp>
+        <p:nvGrpSpPr>
+          <p:cNvPr id="8" name="Group 7">
+            <a:extLst>
+              <a:ext uri="{FF2B5EF4-FFF2-40B4-BE49-F238E27FC236}">
+                <a16:creationId xmlns:a16="http://schemas.microsoft.com/office/drawing/2014/main" id="{48047C98-3DBF-4E9C-BDD1-85E6BEDECE0E}"/>
+              </a:ext>
+            </a:extLst>
+          </p:cNvPr>
+          <p:cNvGrpSpPr/>
+          <p:nvPr/>
+        </p:nvGrpSpPr>
+        <p:grpSpPr>
+          <a:xfrm>
+            <a:off x="1770970" y="1750014"/>
+            <a:ext cx="9345190" cy="2856820"/>
+            <a:chOff x="1770970" y="1750014"/>
+            <a:chExt cx="9345190" cy="2856820"/>
+          </a:xfrm>
+        </p:grpSpPr>
+        <p:pic>
+          <p:nvPicPr>
+            <p:cNvPr id="2" name="Picture 1">
+              <a:extLst>
+                <a:ext uri="{FF2B5EF4-FFF2-40B4-BE49-F238E27FC236}">
+                  <a16:creationId xmlns:a16="http://schemas.microsoft.com/office/drawing/2014/main" id="{B67D684B-7898-47BE-BF22-444CBB414816}"/>
+                </a:ext>
+              </a:extLst>
+            </p:cNvPr>
+            <p:cNvPicPr>
+              <a:picLocks noChangeAspect="1"/>
+            </p:cNvPicPr>
+            <p:nvPr/>
+          </p:nvPicPr>
+          <p:blipFill>
+            <a:blip r:embed="rId2"/>
+            <a:stretch>
+              <a:fillRect/>
+            </a:stretch>
+          </p:blipFill>
+          <p:spPr>
+            <a:xfrm>
+              <a:off x="1770970" y="1750014"/>
+              <a:ext cx="9345190" cy="2856820"/>
+            </a:xfrm>
+            <a:prstGeom prst="rect">
+              <a:avLst/>
+            </a:prstGeom>
+          </p:spPr>
+        </p:pic>
+        <p:sp>
+          <p:nvSpPr>
+            <p:cNvPr id="3" name="Rectangle 2">
+              <a:extLst>
+                <a:ext uri="{FF2B5EF4-FFF2-40B4-BE49-F238E27FC236}">
+                  <a16:creationId xmlns:a16="http://schemas.microsoft.com/office/drawing/2014/main" id="{20AAE63F-9709-4ABA-AD8B-78E8492EEB71}"/>
+                </a:ext>
+              </a:extLst>
+            </p:cNvPr>
+            <p:cNvSpPr/>
+            <p:nvPr/>
+          </p:nvSpPr>
+          <p:spPr>
+            <a:xfrm>
+              <a:off x="3424795" y="2467717"/>
+              <a:ext cx="833696" cy="362968"/>
+            </a:xfrm>
+            <a:prstGeom prst="rect">
+              <a:avLst/>
+            </a:prstGeom>
+            <a:noFill/>
+            <a:ln w="19050">
+              <a:solidFill>
+                <a:srgbClr val="00B0F0"/>
+              </a:solidFill>
+            </a:ln>
+          </p:spPr>
+          <p:style>
+            <a:lnRef idx="2">
+              <a:schemeClr val="accent1">
+                <a:shade val="50000"/>
+              </a:schemeClr>
+            </a:lnRef>
+            <a:fillRef idx="1">
+              <a:schemeClr val="accent1"/>
+            </a:fillRef>
+            <a:effectRef idx="0">
+              <a:schemeClr val="accent1"/>
+            </a:effectRef>
+            <a:fontRef idx="minor">
+              <a:schemeClr val="lt1"/>
+            </a:fontRef>
+          </p:style>
+          <p:txBody>
+            <a:bodyPr rtlCol="0" anchor="ctr"/>
+            <a:lstStyle/>
+            <a:p>
+              <a:pPr algn="ctr"/>
+              <a:endParaRPr lang="en-US" dirty="0"/>
+            </a:p>
+          </p:txBody>
+        </p:sp>
+        <p:sp>
+          <p:nvSpPr>
+            <p:cNvPr id="4" name="Rectangle 3">
+              <a:extLst>
+                <a:ext uri="{FF2B5EF4-FFF2-40B4-BE49-F238E27FC236}">
+                  <a16:creationId xmlns:a16="http://schemas.microsoft.com/office/drawing/2014/main" id="{ED448EB2-E21F-4C6D-A777-9D0924FBE97C}"/>
+                </a:ext>
+              </a:extLst>
+            </p:cNvPr>
+            <p:cNvSpPr/>
+            <p:nvPr/>
+          </p:nvSpPr>
+          <p:spPr>
+            <a:xfrm>
+              <a:off x="4613515" y="2351315"/>
+              <a:ext cx="620336" cy="479370"/>
+            </a:xfrm>
+            <a:prstGeom prst="rect">
+              <a:avLst/>
+            </a:prstGeom>
+            <a:noFill/>
+            <a:ln w="19050">
+              <a:solidFill>
+                <a:srgbClr val="00B0F0"/>
+              </a:solidFill>
+            </a:ln>
+          </p:spPr>
+          <p:style>
+            <a:lnRef idx="2">
+              <a:schemeClr val="accent1">
+                <a:shade val="50000"/>
+              </a:schemeClr>
+            </a:lnRef>
+            <a:fillRef idx="1">
+              <a:schemeClr val="accent1"/>
+            </a:fillRef>
+            <a:effectRef idx="0">
+              <a:schemeClr val="accent1"/>
+            </a:effectRef>
+            <a:fontRef idx="minor">
+              <a:schemeClr val="lt1"/>
+            </a:fontRef>
+          </p:style>
+          <p:txBody>
+            <a:bodyPr rtlCol="0" anchor="ctr"/>
+            <a:lstStyle/>
+            <a:p>
+              <a:pPr algn="ctr"/>
+              <a:endParaRPr lang="en-US" dirty="0"/>
+            </a:p>
+          </p:txBody>
+        </p:sp>
+        <p:sp>
+          <p:nvSpPr>
+            <p:cNvPr id="5" name="Rectangle 4">
+              <a:extLst>
+                <a:ext uri="{FF2B5EF4-FFF2-40B4-BE49-F238E27FC236}">
+                  <a16:creationId xmlns:a16="http://schemas.microsoft.com/office/drawing/2014/main" id="{D6BB765F-3E83-429A-9D51-AC36FAC81832}"/>
+                </a:ext>
+              </a:extLst>
+            </p:cNvPr>
+            <p:cNvSpPr/>
+            <p:nvPr/>
+          </p:nvSpPr>
+          <p:spPr>
+            <a:xfrm>
+              <a:off x="5588875" y="2351315"/>
+              <a:ext cx="620336" cy="479370"/>
+            </a:xfrm>
+            <a:prstGeom prst="rect">
+              <a:avLst/>
+            </a:prstGeom>
+            <a:noFill/>
+            <a:ln w="19050">
+              <a:solidFill>
+                <a:srgbClr val="00B0F0"/>
+              </a:solidFill>
+            </a:ln>
+          </p:spPr>
+          <p:style>
+            <a:lnRef idx="2">
+              <a:schemeClr val="accent1">
+                <a:shade val="50000"/>
+              </a:schemeClr>
+            </a:lnRef>
+            <a:fillRef idx="1">
+              <a:schemeClr val="accent1"/>
+            </a:fillRef>
+            <a:effectRef idx="0">
+              <a:schemeClr val="accent1"/>
+            </a:effectRef>
+            <a:fontRef idx="minor">
+              <a:schemeClr val="lt1"/>
+            </a:fontRef>
+          </p:style>
+          <p:txBody>
+            <a:bodyPr rtlCol="0" anchor="ctr"/>
+            <a:lstStyle/>
+            <a:p>
+              <a:pPr algn="ctr"/>
+              <a:endParaRPr lang="en-US" dirty="0"/>
+            </a:p>
+          </p:txBody>
+        </p:sp>
+        <p:sp>
+          <p:nvSpPr>
+            <p:cNvPr id="6" name="Rectangle 5">
+              <a:extLst>
+                <a:ext uri="{FF2B5EF4-FFF2-40B4-BE49-F238E27FC236}">
+                  <a16:creationId xmlns:a16="http://schemas.microsoft.com/office/drawing/2014/main" id="{DFC6BA09-66A1-4A72-9CD8-27EE9248ABDC}"/>
+                </a:ext>
+              </a:extLst>
+            </p:cNvPr>
+            <p:cNvSpPr/>
+            <p:nvPr/>
+          </p:nvSpPr>
+          <p:spPr>
+            <a:xfrm>
+              <a:off x="6590360" y="2351315"/>
+              <a:ext cx="620336" cy="479370"/>
+            </a:xfrm>
+            <a:prstGeom prst="rect">
+              <a:avLst/>
+            </a:prstGeom>
+            <a:noFill/>
+            <a:ln w="19050">
+              <a:solidFill>
+                <a:srgbClr val="00B0F0"/>
+              </a:solidFill>
+            </a:ln>
+          </p:spPr>
+          <p:style>
+            <a:lnRef idx="2">
+              <a:schemeClr val="accent1">
+                <a:shade val="50000"/>
+              </a:schemeClr>
+            </a:lnRef>
+            <a:fillRef idx="1">
+              <a:schemeClr val="accent1"/>
+            </a:fillRef>
+            <a:effectRef idx="0">
+              <a:schemeClr val="accent1"/>
+            </a:effectRef>
+            <a:fontRef idx="minor">
+              <a:schemeClr val="lt1"/>
+            </a:fontRef>
+          </p:style>
+          <p:txBody>
+            <a:bodyPr rtlCol="0" anchor="ctr"/>
+            <a:lstStyle/>
+            <a:p>
+              <a:pPr algn="ctr"/>
+              <a:endParaRPr lang="en-US" dirty="0"/>
+            </a:p>
+          </p:txBody>
+        </p:sp>
+        <p:sp>
+          <p:nvSpPr>
+            <p:cNvPr id="7" name="Rectangle 6">
+              <a:extLst>
+                <a:ext uri="{FF2B5EF4-FFF2-40B4-BE49-F238E27FC236}">
+                  <a16:creationId xmlns:a16="http://schemas.microsoft.com/office/drawing/2014/main" id="{E9D7A001-6213-48C9-AF5E-FE2CC3066212}"/>
+                </a:ext>
+              </a:extLst>
+            </p:cNvPr>
+            <p:cNvSpPr/>
+            <p:nvPr/>
+          </p:nvSpPr>
+          <p:spPr>
+            <a:xfrm>
+              <a:off x="7623343" y="2351315"/>
+              <a:ext cx="620336" cy="479370"/>
+            </a:xfrm>
+            <a:prstGeom prst="rect">
+              <a:avLst/>
+            </a:prstGeom>
+            <a:noFill/>
+            <a:ln w="19050">
+              <a:solidFill>
+                <a:srgbClr val="00B0F0"/>
+              </a:solidFill>
+            </a:ln>
+          </p:spPr>
+          <p:style>
+            <a:lnRef idx="2">
+              <a:schemeClr val="accent1">
+                <a:shade val="50000"/>
+              </a:schemeClr>
+            </a:lnRef>
+            <a:fillRef idx="1">
+              <a:schemeClr val="accent1"/>
+            </a:fillRef>
+            <a:effectRef idx="0">
+              <a:schemeClr val="accent1"/>
+            </a:effectRef>
+            <a:fontRef idx="minor">
+              <a:schemeClr val="lt1"/>
+            </a:fontRef>
+          </p:style>
+          <p:txBody>
+            <a:bodyPr rtlCol="0" anchor="ctr"/>
+            <a:lstStyle/>
+            <a:p>
+              <a:pPr algn="ctr"/>
+              <a:endParaRPr lang="en-US" dirty="0"/>
+            </a:p>
+          </p:txBody>
+        </p:sp>
+      </p:grpSp>
     </p:spTree>
     <p:extLst>
       <p:ext uri="{BB962C8B-B14F-4D97-AF65-F5344CB8AC3E}">
@@ -3386,6 +3790,1515 @@
           <a:chExt cx="0" cy="0"/>
         </a:xfrm>
       </p:grpSpPr>
+      <p:pic>
+        <p:nvPicPr>
+          <p:cNvPr id="2" name="Picture 1">
+            <a:extLst>
+              <a:ext uri="{FF2B5EF4-FFF2-40B4-BE49-F238E27FC236}">
+                <a16:creationId xmlns:a16="http://schemas.microsoft.com/office/drawing/2014/main" id="{0DC13C43-6C8F-4671-8984-94EC390AE9BE}"/>
+              </a:ext>
+            </a:extLst>
+          </p:cNvPr>
+          <p:cNvPicPr>
+            <a:picLocks noChangeAspect="1"/>
+          </p:cNvPicPr>
+          <p:nvPr/>
+        </p:nvPicPr>
+        <p:blipFill>
+          <a:blip r:embed="rId2"/>
+          <a:stretch>
+            <a:fillRect/>
+          </a:stretch>
+        </p:blipFill>
+        <p:spPr>
+          <a:xfrm>
+            <a:off x="2375141" y="1091595"/>
+            <a:ext cx="3397444" cy="1391608"/>
+          </a:xfrm>
+          <a:prstGeom prst="rect">
+            <a:avLst/>
+          </a:prstGeom>
+        </p:spPr>
+      </p:pic>
+      <p:cxnSp>
+        <p:nvCxnSpPr>
+          <p:cNvPr id="5" name="Straight Arrow Connector 4">
+            <a:extLst>
+              <a:ext uri="{FF2B5EF4-FFF2-40B4-BE49-F238E27FC236}">
+                <a16:creationId xmlns:a16="http://schemas.microsoft.com/office/drawing/2014/main" id="{913E9DA4-FB17-4BFA-BA2C-20BE6EA90AC7}"/>
+              </a:ext>
+            </a:extLst>
+          </p:cNvPr>
+          <p:cNvCxnSpPr/>
+          <p:nvPr/>
+        </p:nvCxnSpPr>
+        <p:spPr>
+          <a:xfrm>
+            <a:off x="3469135" y="1787399"/>
+            <a:ext cx="0" cy="1074463"/>
+          </a:xfrm>
+          <a:prstGeom prst="straightConnector1">
+            <a:avLst/>
+          </a:prstGeom>
+          <a:ln w="25400">
+            <a:solidFill>
+              <a:schemeClr val="tx1"/>
+            </a:solidFill>
+            <a:tailEnd type="triangle"/>
+          </a:ln>
+        </p:spPr>
+        <p:style>
+          <a:lnRef idx="1">
+            <a:schemeClr val="accent1"/>
+          </a:lnRef>
+          <a:fillRef idx="0">
+            <a:schemeClr val="accent1"/>
+          </a:fillRef>
+          <a:effectRef idx="0">
+            <a:schemeClr val="accent1"/>
+          </a:effectRef>
+          <a:fontRef idx="minor">
+            <a:schemeClr val="tx1"/>
+          </a:fontRef>
+        </p:style>
+      </p:cxnSp>
+      <p:sp>
+        <p:nvSpPr>
+          <p:cNvPr id="19" name="TextBox 18">
+            <a:extLst>
+              <a:ext uri="{FF2B5EF4-FFF2-40B4-BE49-F238E27FC236}">
+                <a16:creationId xmlns:a16="http://schemas.microsoft.com/office/drawing/2014/main" id="{E3CCA336-2EC8-4F4A-9B58-7DDD7696A4B1}"/>
+              </a:ext>
+            </a:extLst>
+          </p:cNvPr>
+          <p:cNvSpPr txBox="1"/>
+          <p:nvPr/>
+        </p:nvSpPr>
+        <p:spPr>
+          <a:xfrm>
+            <a:off x="2164987" y="2984323"/>
+            <a:ext cx="420308" cy="369332"/>
+          </a:xfrm>
+          <a:prstGeom prst="rect">
+            <a:avLst/>
+          </a:prstGeom>
+          <a:noFill/>
+        </p:spPr>
+        <p:txBody>
+          <a:bodyPr wrap="none" rtlCol="0">
+            <a:spAutoFit/>
+          </a:bodyPr>
+          <a:lstStyle/>
+          <a:p>
+            <a:r>
+              <a:rPr lang="en-US" dirty="0"/>
+              <a:t>P1</a:t>
+            </a:r>
+          </a:p>
+        </p:txBody>
+      </p:sp>
+      <p:sp>
+        <p:nvSpPr>
+          <p:cNvPr id="20" name="TextBox 19">
+            <a:extLst>
+              <a:ext uri="{FF2B5EF4-FFF2-40B4-BE49-F238E27FC236}">
+                <a16:creationId xmlns:a16="http://schemas.microsoft.com/office/drawing/2014/main" id="{75A383C5-D760-4F91-BC72-95CF4977123C}"/>
+              </a:ext>
+            </a:extLst>
+          </p:cNvPr>
+          <p:cNvSpPr txBox="1"/>
+          <p:nvPr/>
+        </p:nvSpPr>
+        <p:spPr>
+          <a:xfrm>
+            <a:off x="4427616" y="2984323"/>
+            <a:ext cx="420308" cy="369332"/>
+          </a:xfrm>
+          <a:prstGeom prst="rect">
+            <a:avLst/>
+          </a:prstGeom>
+          <a:noFill/>
+        </p:spPr>
+        <p:txBody>
+          <a:bodyPr wrap="none" rtlCol="0">
+            <a:spAutoFit/>
+          </a:bodyPr>
+          <a:lstStyle/>
+          <a:p>
+            <a:r>
+              <a:rPr lang="en-US" dirty="0"/>
+              <a:t>P3</a:t>
+            </a:r>
+          </a:p>
+        </p:txBody>
+      </p:sp>
+      <p:grpSp>
+        <p:nvGrpSpPr>
+          <p:cNvPr id="23" name="Group 22">
+            <a:extLst>
+              <a:ext uri="{FF2B5EF4-FFF2-40B4-BE49-F238E27FC236}">
+                <a16:creationId xmlns:a16="http://schemas.microsoft.com/office/drawing/2014/main" id="{9C0B6F12-CF2B-43FB-A795-3664225399ED}"/>
+              </a:ext>
+            </a:extLst>
+          </p:cNvPr>
+          <p:cNvGrpSpPr/>
+          <p:nvPr/>
+        </p:nvGrpSpPr>
+        <p:grpSpPr>
+          <a:xfrm>
+            <a:off x="2680378" y="3050326"/>
+            <a:ext cx="837617" cy="514325"/>
+            <a:chOff x="4523139" y="3308592"/>
+            <a:chExt cx="837617" cy="514325"/>
+          </a:xfrm>
+        </p:grpSpPr>
+        <p:grpSp>
+          <p:nvGrpSpPr>
+            <p:cNvPr id="13" name="Group 12">
+              <a:extLst>
+                <a:ext uri="{FF2B5EF4-FFF2-40B4-BE49-F238E27FC236}">
+                  <a16:creationId xmlns:a16="http://schemas.microsoft.com/office/drawing/2014/main" id="{60D7E17F-AE9E-4218-A828-726C22375DB5}"/>
+                </a:ext>
+              </a:extLst>
+            </p:cNvPr>
+            <p:cNvGrpSpPr/>
+            <p:nvPr/>
+          </p:nvGrpSpPr>
+          <p:grpSpPr>
+            <a:xfrm>
+              <a:off x="4523139" y="3308592"/>
+              <a:ext cx="837617" cy="237326"/>
+              <a:chOff x="4523139" y="3308592"/>
+              <a:chExt cx="837617" cy="237326"/>
+            </a:xfrm>
+          </p:grpSpPr>
+          <p:sp>
+            <p:nvSpPr>
+              <p:cNvPr id="6" name="Rectangle 5">
+                <a:extLst>
+                  <a:ext uri="{FF2B5EF4-FFF2-40B4-BE49-F238E27FC236}">
+                    <a16:creationId xmlns:a16="http://schemas.microsoft.com/office/drawing/2014/main" id="{E59A7935-BB1E-4EB8-9A73-B7D9E7200B33}"/>
+                  </a:ext>
+                </a:extLst>
+              </p:cNvPr>
+              <p:cNvSpPr/>
+              <p:nvPr/>
+            </p:nvSpPr>
+            <p:spPr>
+              <a:xfrm>
+                <a:off x="4662742" y="3373159"/>
+                <a:ext cx="104702" cy="111682"/>
+              </a:xfrm>
+              <a:prstGeom prst="rect">
+                <a:avLst/>
+              </a:prstGeom>
+              <a:solidFill>
+                <a:schemeClr val="tx1"/>
+              </a:solidFill>
+            </p:spPr>
+            <p:style>
+              <a:lnRef idx="2">
+                <a:schemeClr val="accent1">
+                  <a:shade val="50000"/>
+                </a:schemeClr>
+              </a:lnRef>
+              <a:fillRef idx="1">
+                <a:schemeClr val="accent1"/>
+              </a:fillRef>
+              <a:effectRef idx="0">
+                <a:schemeClr val="accent1"/>
+              </a:effectRef>
+              <a:fontRef idx="minor">
+                <a:schemeClr val="lt1"/>
+              </a:fontRef>
+            </p:style>
+            <p:txBody>
+              <a:bodyPr rtlCol="0" anchor="ctr"/>
+              <a:lstStyle/>
+              <a:p>
+                <a:pPr algn="ctr"/>
+                <a:endParaRPr lang="en-US"/>
+              </a:p>
+            </p:txBody>
+          </p:sp>
+          <p:sp>
+            <p:nvSpPr>
+              <p:cNvPr id="7" name="Rectangle 6">
+                <a:extLst>
+                  <a:ext uri="{FF2B5EF4-FFF2-40B4-BE49-F238E27FC236}">
+                    <a16:creationId xmlns:a16="http://schemas.microsoft.com/office/drawing/2014/main" id="{CEE8D1AD-FF91-4787-ABAD-340EDF0F9433}"/>
+                  </a:ext>
+                </a:extLst>
+              </p:cNvPr>
+              <p:cNvSpPr/>
+              <p:nvPr/>
+            </p:nvSpPr>
+            <p:spPr>
+              <a:xfrm>
+                <a:off x="4907774" y="3373159"/>
+                <a:ext cx="104702" cy="111682"/>
+              </a:xfrm>
+              <a:prstGeom prst="rect">
+                <a:avLst/>
+              </a:prstGeom>
+              <a:solidFill>
+                <a:schemeClr val="tx1"/>
+              </a:solidFill>
+            </p:spPr>
+            <p:style>
+              <a:lnRef idx="2">
+                <a:schemeClr val="accent1">
+                  <a:shade val="50000"/>
+                </a:schemeClr>
+              </a:lnRef>
+              <a:fillRef idx="1">
+                <a:schemeClr val="accent1"/>
+              </a:fillRef>
+              <a:effectRef idx="0">
+                <a:schemeClr val="accent1"/>
+              </a:effectRef>
+              <a:fontRef idx="minor">
+                <a:schemeClr val="lt1"/>
+              </a:fontRef>
+            </p:style>
+            <p:txBody>
+              <a:bodyPr rtlCol="0" anchor="ctr"/>
+              <a:lstStyle/>
+              <a:p>
+                <a:pPr algn="ctr"/>
+                <a:endParaRPr lang="en-US"/>
+              </a:p>
+            </p:txBody>
+          </p:sp>
+          <p:sp>
+            <p:nvSpPr>
+              <p:cNvPr id="8" name="Rectangle 7">
+                <a:extLst>
+                  <a:ext uri="{FF2B5EF4-FFF2-40B4-BE49-F238E27FC236}">
+                    <a16:creationId xmlns:a16="http://schemas.microsoft.com/office/drawing/2014/main" id="{558069A7-035F-4DAB-9AD5-23B791E51DAA}"/>
+                  </a:ext>
+                </a:extLst>
+              </p:cNvPr>
+              <p:cNvSpPr/>
+              <p:nvPr/>
+            </p:nvSpPr>
+            <p:spPr>
+              <a:xfrm>
+                <a:off x="5152806" y="3373159"/>
+                <a:ext cx="104702" cy="111682"/>
+              </a:xfrm>
+              <a:prstGeom prst="rect">
+                <a:avLst/>
+              </a:prstGeom>
+              <a:solidFill>
+                <a:schemeClr val="tx1"/>
+              </a:solidFill>
+            </p:spPr>
+            <p:style>
+              <a:lnRef idx="2">
+                <a:schemeClr val="accent1">
+                  <a:shade val="50000"/>
+                </a:schemeClr>
+              </a:lnRef>
+              <a:fillRef idx="1">
+                <a:schemeClr val="accent1"/>
+              </a:fillRef>
+              <a:effectRef idx="0">
+                <a:schemeClr val="accent1"/>
+              </a:effectRef>
+              <a:fontRef idx="minor">
+                <a:schemeClr val="lt1"/>
+              </a:fontRef>
+            </p:style>
+            <p:txBody>
+              <a:bodyPr rtlCol="0" anchor="ctr"/>
+              <a:lstStyle/>
+              <a:p>
+                <a:pPr algn="ctr"/>
+                <a:endParaRPr lang="en-US"/>
+              </a:p>
+            </p:txBody>
+          </p:sp>
+          <p:sp>
+            <p:nvSpPr>
+              <p:cNvPr id="12" name="Rectangle 11">
+                <a:extLst>
+                  <a:ext uri="{FF2B5EF4-FFF2-40B4-BE49-F238E27FC236}">
+                    <a16:creationId xmlns:a16="http://schemas.microsoft.com/office/drawing/2014/main" id="{B2F5A221-8A33-481B-AC66-A216F511F46F}"/>
+                  </a:ext>
+                </a:extLst>
+              </p:cNvPr>
+              <p:cNvSpPr/>
+              <p:nvPr/>
+            </p:nvSpPr>
+            <p:spPr>
+              <a:xfrm>
+                <a:off x="4523139" y="3308592"/>
+                <a:ext cx="837617" cy="237326"/>
+              </a:xfrm>
+              <a:prstGeom prst="rect">
+                <a:avLst/>
+              </a:prstGeom>
+              <a:noFill/>
+            </p:spPr>
+            <p:style>
+              <a:lnRef idx="2">
+                <a:schemeClr val="accent1">
+                  <a:shade val="50000"/>
+                </a:schemeClr>
+              </a:lnRef>
+              <a:fillRef idx="1">
+                <a:schemeClr val="accent1"/>
+              </a:fillRef>
+              <a:effectRef idx="0">
+                <a:schemeClr val="accent1"/>
+              </a:effectRef>
+              <a:fontRef idx="minor">
+                <a:schemeClr val="lt1"/>
+              </a:fontRef>
+            </p:style>
+            <p:txBody>
+              <a:bodyPr rtlCol="0" anchor="ctr"/>
+              <a:lstStyle/>
+              <a:p>
+                <a:pPr algn="ctr"/>
+                <a:endParaRPr lang="en-US"/>
+              </a:p>
+            </p:txBody>
+          </p:sp>
+        </p:grpSp>
+        <p:sp>
+          <p:nvSpPr>
+            <p:cNvPr id="21" name="TextBox 20">
+              <a:extLst>
+                <a:ext uri="{FF2B5EF4-FFF2-40B4-BE49-F238E27FC236}">
+                  <a16:creationId xmlns:a16="http://schemas.microsoft.com/office/drawing/2014/main" id="{05AF1708-A86B-442B-B917-75A87552AF15}"/>
+                </a:ext>
+              </a:extLst>
+            </p:cNvPr>
+            <p:cNvSpPr txBox="1"/>
+            <p:nvPr/>
+          </p:nvSpPr>
+          <p:spPr>
+            <a:xfrm>
+              <a:off x="4583486" y="3545918"/>
+              <a:ext cx="263214" cy="276999"/>
+            </a:xfrm>
+            <a:prstGeom prst="rect">
+              <a:avLst/>
+            </a:prstGeom>
+            <a:noFill/>
+          </p:spPr>
+          <p:txBody>
+            <a:bodyPr wrap="none" rtlCol="0">
+              <a:spAutoFit/>
+            </a:bodyPr>
+            <a:lstStyle/>
+            <a:p>
+              <a:r>
+                <a:rPr lang="en-US" sz="1200" dirty="0"/>
+                <a:t>1</a:t>
+              </a:r>
+            </a:p>
+          </p:txBody>
+        </p:sp>
+        <p:sp>
+          <p:nvSpPr>
+            <p:cNvPr id="22" name="TextBox 21">
+              <a:extLst>
+                <a:ext uri="{FF2B5EF4-FFF2-40B4-BE49-F238E27FC236}">
+                  <a16:creationId xmlns:a16="http://schemas.microsoft.com/office/drawing/2014/main" id="{6763D3CF-D676-46DF-8724-E695E0B9B234}"/>
+                </a:ext>
+              </a:extLst>
+            </p:cNvPr>
+            <p:cNvSpPr txBox="1"/>
+            <p:nvPr/>
+          </p:nvSpPr>
+          <p:spPr>
+            <a:xfrm>
+              <a:off x="5097542" y="3545918"/>
+              <a:ext cx="263214" cy="276999"/>
+            </a:xfrm>
+            <a:prstGeom prst="rect">
+              <a:avLst/>
+            </a:prstGeom>
+            <a:noFill/>
+          </p:spPr>
+          <p:txBody>
+            <a:bodyPr wrap="none" rtlCol="0">
+              <a:spAutoFit/>
+            </a:bodyPr>
+            <a:lstStyle/>
+            <a:p>
+              <a:r>
+                <a:rPr lang="en-US" sz="1200" dirty="0"/>
+                <a:t>3</a:t>
+              </a:r>
+            </a:p>
+          </p:txBody>
+        </p:sp>
+      </p:grpSp>
+      <p:grpSp>
+        <p:nvGrpSpPr>
+          <p:cNvPr id="24" name="Group 23">
+            <a:extLst>
+              <a:ext uri="{FF2B5EF4-FFF2-40B4-BE49-F238E27FC236}">
+                <a16:creationId xmlns:a16="http://schemas.microsoft.com/office/drawing/2014/main" id="{B3E4EE71-F3AF-413B-B475-F40E839196C8}"/>
+              </a:ext>
+            </a:extLst>
+          </p:cNvPr>
+          <p:cNvGrpSpPr/>
+          <p:nvPr/>
+        </p:nvGrpSpPr>
+        <p:grpSpPr>
+          <a:xfrm>
+            <a:off x="3560976" y="3050326"/>
+            <a:ext cx="837617" cy="514325"/>
+            <a:chOff x="4523139" y="3308592"/>
+            <a:chExt cx="837617" cy="514325"/>
+          </a:xfrm>
+        </p:grpSpPr>
+        <p:grpSp>
+          <p:nvGrpSpPr>
+            <p:cNvPr id="25" name="Group 24">
+              <a:extLst>
+                <a:ext uri="{FF2B5EF4-FFF2-40B4-BE49-F238E27FC236}">
+                  <a16:creationId xmlns:a16="http://schemas.microsoft.com/office/drawing/2014/main" id="{B931B7D3-89FC-40E3-A4C2-95FD782D43C4}"/>
+                </a:ext>
+              </a:extLst>
+            </p:cNvPr>
+            <p:cNvGrpSpPr/>
+            <p:nvPr/>
+          </p:nvGrpSpPr>
+          <p:grpSpPr>
+            <a:xfrm>
+              <a:off x="4523139" y="3308592"/>
+              <a:ext cx="837617" cy="237326"/>
+              <a:chOff x="4523139" y="3308592"/>
+              <a:chExt cx="837617" cy="237326"/>
+            </a:xfrm>
+          </p:grpSpPr>
+          <p:sp>
+            <p:nvSpPr>
+              <p:cNvPr id="28" name="Rectangle 27">
+                <a:extLst>
+                  <a:ext uri="{FF2B5EF4-FFF2-40B4-BE49-F238E27FC236}">
+                    <a16:creationId xmlns:a16="http://schemas.microsoft.com/office/drawing/2014/main" id="{C4F4A603-C04E-4E30-A2E3-F0E9790BE9F1}"/>
+                  </a:ext>
+                </a:extLst>
+              </p:cNvPr>
+              <p:cNvSpPr/>
+              <p:nvPr/>
+            </p:nvSpPr>
+            <p:spPr>
+              <a:xfrm>
+                <a:off x="4662742" y="3373159"/>
+                <a:ext cx="104702" cy="111682"/>
+              </a:xfrm>
+              <a:prstGeom prst="rect">
+                <a:avLst/>
+              </a:prstGeom>
+              <a:solidFill>
+                <a:schemeClr val="tx1"/>
+              </a:solidFill>
+            </p:spPr>
+            <p:style>
+              <a:lnRef idx="2">
+                <a:schemeClr val="accent1">
+                  <a:shade val="50000"/>
+                </a:schemeClr>
+              </a:lnRef>
+              <a:fillRef idx="1">
+                <a:schemeClr val="accent1"/>
+              </a:fillRef>
+              <a:effectRef idx="0">
+                <a:schemeClr val="accent1"/>
+              </a:effectRef>
+              <a:fontRef idx="minor">
+                <a:schemeClr val="lt1"/>
+              </a:fontRef>
+            </p:style>
+            <p:txBody>
+              <a:bodyPr rtlCol="0" anchor="ctr"/>
+              <a:lstStyle/>
+              <a:p>
+                <a:pPr algn="ctr"/>
+                <a:endParaRPr lang="en-US"/>
+              </a:p>
+            </p:txBody>
+          </p:sp>
+          <p:sp>
+            <p:nvSpPr>
+              <p:cNvPr id="29" name="Rectangle 28">
+                <a:extLst>
+                  <a:ext uri="{FF2B5EF4-FFF2-40B4-BE49-F238E27FC236}">
+                    <a16:creationId xmlns:a16="http://schemas.microsoft.com/office/drawing/2014/main" id="{69E0D8E1-3B58-4B1A-833E-591E6D27A64F}"/>
+                  </a:ext>
+                </a:extLst>
+              </p:cNvPr>
+              <p:cNvSpPr/>
+              <p:nvPr/>
+            </p:nvSpPr>
+            <p:spPr>
+              <a:xfrm>
+                <a:off x="4907774" y="3373159"/>
+                <a:ext cx="104702" cy="111682"/>
+              </a:xfrm>
+              <a:prstGeom prst="rect">
+                <a:avLst/>
+              </a:prstGeom>
+              <a:solidFill>
+                <a:schemeClr val="tx1"/>
+              </a:solidFill>
+            </p:spPr>
+            <p:style>
+              <a:lnRef idx="2">
+                <a:schemeClr val="accent1">
+                  <a:shade val="50000"/>
+                </a:schemeClr>
+              </a:lnRef>
+              <a:fillRef idx="1">
+                <a:schemeClr val="accent1"/>
+              </a:fillRef>
+              <a:effectRef idx="0">
+                <a:schemeClr val="accent1"/>
+              </a:effectRef>
+              <a:fontRef idx="minor">
+                <a:schemeClr val="lt1"/>
+              </a:fontRef>
+            </p:style>
+            <p:txBody>
+              <a:bodyPr rtlCol="0" anchor="ctr"/>
+              <a:lstStyle/>
+              <a:p>
+                <a:pPr algn="ctr"/>
+                <a:endParaRPr lang="en-US"/>
+              </a:p>
+            </p:txBody>
+          </p:sp>
+          <p:sp>
+            <p:nvSpPr>
+              <p:cNvPr id="30" name="Rectangle 29">
+                <a:extLst>
+                  <a:ext uri="{FF2B5EF4-FFF2-40B4-BE49-F238E27FC236}">
+                    <a16:creationId xmlns:a16="http://schemas.microsoft.com/office/drawing/2014/main" id="{03D37A28-1FDE-44C9-8FF8-45DADA042798}"/>
+                  </a:ext>
+                </a:extLst>
+              </p:cNvPr>
+              <p:cNvSpPr/>
+              <p:nvPr/>
+            </p:nvSpPr>
+            <p:spPr>
+              <a:xfrm>
+                <a:off x="5152806" y="3373159"/>
+                <a:ext cx="104702" cy="111682"/>
+              </a:xfrm>
+              <a:prstGeom prst="rect">
+                <a:avLst/>
+              </a:prstGeom>
+              <a:solidFill>
+                <a:schemeClr val="tx1"/>
+              </a:solidFill>
+            </p:spPr>
+            <p:style>
+              <a:lnRef idx="2">
+                <a:schemeClr val="accent1">
+                  <a:shade val="50000"/>
+                </a:schemeClr>
+              </a:lnRef>
+              <a:fillRef idx="1">
+                <a:schemeClr val="accent1"/>
+              </a:fillRef>
+              <a:effectRef idx="0">
+                <a:schemeClr val="accent1"/>
+              </a:effectRef>
+              <a:fontRef idx="minor">
+                <a:schemeClr val="lt1"/>
+              </a:fontRef>
+            </p:style>
+            <p:txBody>
+              <a:bodyPr rtlCol="0" anchor="ctr"/>
+              <a:lstStyle/>
+              <a:p>
+                <a:pPr algn="ctr"/>
+                <a:endParaRPr lang="en-US"/>
+              </a:p>
+            </p:txBody>
+          </p:sp>
+          <p:sp>
+            <p:nvSpPr>
+              <p:cNvPr id="31" name="Rectangle 30">
+                <a:extLst>
+                  <a:ext uri="{FF2B5EF4-FFF2-40B4-BE49-F238E27FC236}">
+                    <a16:creationId xmlns:a16="http://schemas.microsoft.com/office/drawing/2014/main" id="{C86EFFF5-F09E-4BA2-938C-7D921601AE14}"/>
+                  </a:ext>
+                </a:extLst>
+              </p:cNvPr>
+              <p:cNvSpPr/>
+              <p:nvPr/>
+            </p:nvSpPr>
+            <p:spPr>
+              <a:xfrm>
+                <a:off x="4523139" y="3308592"/>
+                <a:ext cx="837617" cy="237326"/>
+              </a:xfrm>
+              <a:prstGeom prst="rect">
+                <a:avLst/>
+              </a:prstGeom>
+              <a:noFill/>
+            </p:spPr>
+            <p:style>
+              <a:lnRef idx="2">
+                <a:schemeClr val="accent1">
+                  <a:shade val="50000"/>
+                </a:schemeClr>
+              </a:lnRef>
+              <a:fillRef idx="1">
+                <a:schemeClr val="accent1"/>
+              </a:fillRef>
+              <a:effectRef idx="0">
+                <a:schemeClr val="accent1"/>
+              </a:effectRef>
+              <a:fontRef idx="minor">
+                <a:schemeClr val="lt1"/>
+              </a:fontRef>
+            </p:style>
+            <p:txBody>
+              <a:bodyPr rtlCol="0" anchor="ctr"/>
+              <a:lstStyle/>
+              <a:p>
+                <a:pPr algn="ctr"/>
+                <a:endParaRPr lang="en-US"/>
+              </a:p>
+            </p:txBody>
+          </p:sp>
+        </p:grpSp>
+        <p:sp>
+          <p:nvSpPr>
+            <p:cNvPr id="26" name="TextBox 25">
+              <a:extLst>
+                <a:ext uri="{FF2B5EF4-FFF2-40B4-BE49-F238E27FC236}">
+                  <a16:creationId xmlns:a16="http://schemas.microsoft.com/office/drawing/2014/main" id="{25C31577-7D4F-4513-9064-E6F5A0F7010A}"/>
+                </a:ext>
+              </a:extLst>
+            </p:cNvPr>
+            <p:cNvSpPr txBox="1"/>
+            <p:nvPr/>
+          </p:nvSpPr>
+          <p:spPr>
+            <a:xfrm>
+              <a:off x="4583486" y="3545918"/>
+              <a:ext cx="263214" cy="276999"/>
+            </a:xfrm>
+            <a:prstGeom prst="rect">
+              <a:avLst/>
+            </a:prstGeom>
+            <a:noFill/>
+          </p:spPr>
+          <p:txBody>
+            <a:bodyPr wrap="none" rtlCol="0">
+              <a:spAutoFit/>
+            </a:bodyPr>
+            <a:lstStyle/>
+            <a:p>
+              <a:r>
+                <a:rPr lang="en-US" sz="1200" dirty="0"/>
+                <a:t>1</a:t>
+              </a:r>
+            </a:p>
+          </p:txBody>
+        </p:sp>
+        <p:sp>
+          <p:nvSpPr>
+            <p:cNvPr id="27" name="TextBox 26">
+              <a:extLst>
+                <a:ext uri="{FF2B5EF4-FFF2-40B4-BE49-F238E27FC236}">
+                  <a16:creationId xmlns:a16="http://schemas.microsoft.com/office/drawing/2014/main" id="{9D23C11F-3FF8-488F-AFCC-6F2343D3A489}"/>
+                </a:ext>
+              </a:extLst>
+            </p:cNvPr>
+            <p:cNvSpPr txBox="1"/>
+            <p:nvPr/>
+          </p:nvSpPr>
+          <p:spPr>
+            <a:xfrm>
+              <a:off x="5097542" y="3545918"/>
+              <a:ext cx="263214" cy="276999"/>
+            </a:xfrm>
+            <a:prstGeom prst="rect">
+              <a:avLst/>
+            </a:prstGeom>
+            <a:noFill/>
+          </p:spPr>
+          <p:txBody>
+            <a:bodyPr wrap="none" rtlCol="0">
+              <a:spAutoFit/>
+            </a:bodyPr>
+            <a:lstStyle/>
+            <a:p>
+              <a:r>
+                <a:rPr lang="en-US" sz="1200" dirty="0"/>
+                <a:t>3</a:t>
+              </a:r>
+            </a:p>
+          </p:txBody>
+        </p:sp>
+      </p:grpSp>
+      <p:pic>
+        <p:nvPicPr>
+          <p:cNvPr id="33" name="Picture 32">
+            <a:extLst>
+              <a:ext uri="{FF2B5EF4-FFF2-40B4-BE49-F238E27FC236}">
+                <a16:creationId xmlns:a16="http://schemas.microsoft.com/office/drawing/2014/main" id="{16C8426F-A4E2-47B1-B300-2206D4DCC30E}"/>
+              </a:ext>
+            </a:extLst>
+          </p:cNvPr>
+          <p:cNvPicPr>
+            <a:picLocks noChangeAspect="1"/>
+          </p:cNvPicPr>
+          <p:nvPr/>
+        </p:nvPicPr>
+        <p:blipFill>
+          <a:blip r:embed="rId3"/>
+          <a:stretch>
+            <a:fillRect/>
+          </a:stretch>
+        </p:blipFill>
+        <p:spPr>
+          <a:xfrm>
+            <a:off x="8860313" y="983720"/>
+            <a:ext cx="974457" cy="2757506"/>
+          </a:xfrm>
+          <a:prstGeom prst="rect">
+            <a:avLst/>
+          </a:prstGeom>
+        </p:spPr>
+      </p:pic>
+      <p:grpSp>
+        <p:nvGrpSpPr>
+          <p:cNvPr id="34" name="Group 33">
+            <a:extLst>
+              <a:ext uri="{FF2B5EF4-FFF2-40B4-BE49-F238E27FC236}">
+                <a16:creationId xmlns:a16="http://schemas.microsoft.com/office/drawing/2014/main" id="{67BC8286-95D3-428C-8178-4042DBA5A948}"/>
+              </a:ext>
+            </a:extLst>
+          </p:cNvPr>
+          <p:cNvGrpSpPr/>
+          <p:nvPr/>
+        </p:nvGrpSpPr>
+        <p:grpSpPr>
+          <a:xfrm rot="5400000">
+            <a:off x="7631763" y="1255477"/>
+            <a:ext cx="837617" cy="514325"/>
+            <a:chOff x="4523139" y="3308592"/>
+            <a:chExt cx="837617" cy="514325"/>
+          </a:xfrm>
+        </p:grpSpPr>
+        <p:grpSp>
+          <p:nvGrpSpPr>
+            <p:cNvPr id="35" name="Group 34">
+              <a:extLst>
+                <a:ext uri="{FF2B5EF4-FFF2-40B4-BE49-F238E27FC236}">
+                  <a16:creationId xmlns:a16="http://schemas.microsoft.com/office/drawing/2014/main" id="{93A45A5E-E558-4A70-BE8E-0CCA2B1B4A03}"/>
+                </a:ext>
+              </a:extLst>
+            </p:cNvPr>
+            <p:cNvGrpSpPr/>
+            <p:nvPr/>
+          </p:nvGrpSpPr>
+          <p:grpSpPr>
+            <a:xfrm>
+              <a:off x="4523139" y="3308592"/>
+              <a:ext cx="837617" cy="237326"/>
+              <a:chOff x="4523139" y="3308592"/>
+              <a:chExt cx="837617" cy="237326"/>
+            </a:xfrm>
+          </p:grpSpPr>
+          <p:sp>
+            <p:nvSpPr>
+              <p:cNvPr id="38" name="Rectangle 37">
+                <a:extLst>
+                  <a:ext uri="{FF2B5EF4-FFF2-40B4-BE49-F238E27FC236}">
+                    <a16:creationId xmlns:a16="http://schemas.microsoft.com/office/drawing/2014/main" id="{4C84E8C9-B3D1-4AFA-9858-B9B1D512E05E}"/>
+                  </a:ext>
+                </a:extLst>
+              </p:cNvPr>
+              <p:cNvSpPr/>
+              <p:nvPr/>
+            </p:nvSpPr>
+            <p:spPr>
+              <a:xfrm>
+                <a:off x="4662742" y="3373159"/>
+                <a:ext cx="104702" cy="111682"/>
+              </a:xfrm>
+              <a:prstGeom prst="rect">
+                <a:avLst/>
+              </a:prstGeom>
+              <a:solidFill>
+                <a:schemeClr val="tx1"/>
+              </a:solidFill>
+            </p:spPr>
+            <p:style>
+              <a:lnRef idx="2">
+                <a:schemeClr val="accent1">
+                  <a:shade val="50000"/>
+                </a:schemeClr>
+              </a:lnRef>
+              <a:fillRef idx="1">
+                <a:schemeClr val="accent1"/>
+              </a:fillRef>
+              <a:effectRef idx="0">
+                <a:schemeClr val="accent1"/>
+              </a:effectRef>
+              <a:fontRef idx="minor">
+                <a:schemeClr val="lt1"/>
+              </a:fontRef>
+            </p:style>
+            <p:txBody>
+              <a:bodyPr rtlCol="0" anchor="ctr"/>
+              <a:lstStyle/>
+              <a:p>
+                <a:pPr algn="ctr"/>
+                <a:endParaRPr lang="en-US"/>
+              </a:p>
+            </p:txBody>
+          </p:sp>
+          <p:sp>
+            <p:nvSpPr>
+              <p:cNvPr id="39" name="Rectangle 38">
+                <a:extLst>
+                  <a:ext uri="{FF2B5EF4-FFF2-40B4-BE49-F238E27FC236}">
+                    <a16:creationId xmlns:a16="http://schemas.microsoft.com/office/drawing/2014/main" id="{C3A0A80B-A564-4B6D-8423-54B4DC424756}"/>
+                  </a:ext>
+                </a:extLst>
+              </p:cNvPr>
+              <p:cNvSpPr/>
+              <p:nvPr/>
+            </p:nvSpPr>
+            <p:spPr>
+              <a:xfrm>
+                <a:off x="4907774" y="3373159"/>
+                <a:ext cx="104702" cy="111682"/>
+              </a:xfrm>
+              <a:prstGeom prst="rect">
+                <a:avLst/>
+              </a:prstGeom>
+              <a:solidFill>
+                <a:schemeClr val="tx1"/>
+              </a:solidFill>
+            </p:spPr>
+            <p:style>
+              <a:lnRef idx="2">
+                <a:schemeClr val="accent1">
+                  <a:shade val="50000"/>
+                </a:schemeClr>
+              </a:lnRef>
+              <a:fillRef idx="1">
+                <a:schemeClr val="accent1"/>
+              </a:fillRef>
+              <a:effectRef idx="0">
+                <a:schemeClr val="accent1"/>
+              </a:effectRef>
+              <a:fontRef idx="minor">
+                <a:schemeClr val="lt1"/>
+              </a:fontRef>
+            </p:style>
+            <p:txBody>
+              <a:bodyPr rtlCol="0" anchor="ctr"/>
+              <a:lstStyle/>
+              <a:p>
+                <a:pPr algn="ctr"/>
+                <a:endParaRPr lang="en-US"/>
+              </a:p>
+            </p:txBody>
+          </p:sp>
+          <p:sp>
+            <p:nvSpPr>
+              <p:cNvPr id="40" name="Rectangle 39">
+                <a:extLst>
+                  <a:ext uri="{FF2B5EF4-FFF2-40B4-BE49-F238E27FC236}">
+                    <a16:creationId xmlns:a16="http://schemas.microsoft.com/office/drawing/2014/main" id="{D27FEB6F-077B-4572-BAA2-D6AC1EF34613}"/>
+                  </a:ext>
+                </a:extLst>
+              </p:cNvPr>
+              <p:cNvSpPr/>
+              <p:nvPr/>
+            </p:nvSpPr>
+            <p:spPr>
+              <a:xfrm>
+                <a:off x="5152806" y="3373159"/>
+                <a:ext cx="104702" cy="111682"/>
+              </a:xfrm>
+              <a:prstGeom prst="rect">
+                <a:avLst/>
+              </a:prstGeom>
+              <a:solidFill>
+                <a:schemeClr val="tx1"/>
+              </a:solidFill>
+            </p:spPr>
+            <p:style>
+              <a:lnRef idx="2">
+                <a:schemeClr val="accent1">
+                  <a:shade val="50000"/>
+                </a:schemeClr>
+              </a:lnRef>
+              <a:fillRef idx="1">
+                <a:schemeClr val="accent1"/>
+              </a:fillRef>
+              <a:effectRef idx="0">
+                <a:schemeClr val="accent1"/>
+              </a:effectRef>
+              <a:fontRef idx="minor">
+                <a:schemeClr val="lt1"/>
+              </a:fontRef>
+            </p:style>
+            <p:txBody>
+              <a:bodyPr rtlCol="0" anchor="ctr"/>
+              <a:lstStyle/>
+              <a:p>
+                <a:pPr algn="ctr"/>
+                <a:endParaRPr lang="en-US"/>
+              </a:p>
+            </p:txBody>
+          </p:sp>
+          <p:sp>
+            <p:nvSpPr>
+              <p:cNvPr id="41" name="Rectangle 40">
+                <a:extLst>
+                  <a:ext uri="{FF2B5EF4-FFF2-40B4-BE49-F238E27FC236}">
+                    <a16:creationId xmlns:a16="http://schemas.microsoft.com/office/drawing/2014/main" id="{A7CE1689-F7B5-4430-92DA-6612C065A171}"/>
+                  </a:ext>
+                </a:extLst>
+              </p:cNvPr>
+              <p:cNvSpPr/>
+              <p:nvPr/>
+            </p:nvSpPr>
+            <p:spPr>
+              <a:xfrm>
+                <a:off x="4523139" y="3308592"/>
+                <a:ext cx="837617" cy="237326"/>
+              </a:xfrm>
+              <a:prstGeom prst="rect">
+                <a:avLst/>
+              </a:prstGeom>
+              <a:noFill/>
+            </p:spPr>
+            <p:style>
+              <a:lnRef idx="2">
+                <a:schemeClr val="accent1">
+                  <a:shade val="50000"/>
+                </a:schemeClr>
+              </a:lnRef>
+              <a:fillRef idx="1">
+                <a:schemeClr val="accent1"/>
+              </a:fillRef>
+              <a:effectRef idx="0">
+                <a:schemeClr val="accent1"/>
+              </a:effectRef>
+              <a:fontRef idx="minor">
+                <a:schemeClr val="lt1"/>
+              </a:fontRef>
+            </p:style>
+            <p:txBody>
+              <a:bodyPr rtlCol="0" anchor="ctr"/>
+              <a:lstStyle/>
+              <a:p>
+                <a:pPr algn="ctr"/>
+                <a:endParaRPr lang="en-US"/>
+              </a:p>
+            </p:txBody>
+          </p:sp>
+        </p:grpSp>
+        <p:sp>
+          <p:nvSpPr>
+            <p:cNvPr id="36" name="TextBox 35">
+              <a:extLst>
+                <a:ext uri="{FF2B5EF4-FFF2-40B4-BE49-F238E27FC236}">
+                  <a16:creationId xmlns:a16="http://schemas.microsoft.com/office/drawing/2014/main" id="{4BAD473E-AEBC-4997-B453-CD9A1CBAC0E3}"/>
+                </a:ext>
+              </a:extLst>
+            </p:cNvPr>
+            <p:cNvSpPr txBox="1"/>
+            <p:nvPr/>
+          </p:nvSpPr>
+          <p:spPr>
+            <a:xfrm>
+              <a:off x="4583486" y="3545918"/>
+              <a:ext cx="263214" cy="276999"/>
+            </a:xfrm>
+            <a:prstGeom prst="rect">
+              <a:avLst/>
+            </a:prstGeom>
+            <a:noFill/>
+          </p:spPr>
+          <p:txBody>
+            <a:bodyPr wrap="none" rtlCol="0">
+              <a:spAutoFit/>
+            </a:bodyPr>
+            <a:lstStyle/>
+            <a:p>
+              <a:r>
+                <a:rPr lang="en-US" sz="1200" dirty="0"/>
+                <a:t>1</a:t>
+              </a:r>
+            </a:p>
+          </p:txBody>
+        </p:sp>
+        <p:sp>
+          <p:nvSpPr>
+            <p:cNvPr id="37" name="TextBox 36">
+              <a:extLst>
+                <a:ext uri="{FF2B5EF4-FFF2-40B4-BE49-F238E27FC236}">
+                  <a16:creationId xmlns:a16="http://schemas.microsoft.com/office/drawing/2014/main" id="{9A2EA664-98BB-47E6-8817-8C7D2C2B6B73}"/>
+                </a:ext>
+              </a:extLst>
+            </p:cNvPr>
+            <p:cNvSpPr txBox="1"/>
+            <p:nvPr/>
+          </p:nvSpPr>
+          <p:spPr>
+            <a:xfrm>
+              <a:off x="5097542" y="3545918"/>
+              <a:ext cx="263214" cy="276999"/>
+            </a:xfrm>
+            <a:prstGeom prst="rect">
+              <a:avLst/>
+            </a:prstGeom>
+            <a:noFill/>
+          </p:spPr>
+          <p:txBody>
+            <a:bodyPr wrap="none" rtlCol="0">
+              <a:spAutoFit/>
+            </a:bodyPr>
+            <a:lstStyle/>
+            <a:p>
+              <a:r>
+                <a:rPr lang="en-US" sz="1200" dirty="0"/>
+                <a:t>3</a:t>
+              </a:r>
+            </a:p>
+          </p:txBody>
+        </p:sp>
+      </p:grpSp>
+      <p:cxnSp>
+        <p:nvCxnSpPr>
+          <p:cNvPr id="42" name="Straight Arrow Connector 41">
+            <a:extLst>
+              <a:ext uri="{FF2B5EF4-FFF2-40B4-BE49-F238E27FC236}">
+                <a16:creationId xmlns:a16="http://schemas.microsoft.com/office/drawing/2014/main" id="{7B3E1E4A-84B1-4CE7-9CCE-BEC697A23189}"/>
+              </a:ext>
+            </a:extLst>
+          </p:cNvPr>
+          <p:cNvCxnSpPr>
+            <a:cxnSpLocks/>
+          </p:cNvCxnSpPr>
+          <p:nvPr/>
+        </p:nvCxnSpPr>
+        <p:spPr>
+          <a:xfrm flipH="1">
+            <a:off x="8400785" y="1520952"/>
+            <a:ext cx="741060" cy="9866"/>
+          </a:xfrm>
+          <a:prstGeom prst="straightConnector1">
+            <a:avLst/>
+          </a:prstGeom>
+          <a:ln w="25400">
+            <a:solidFill>
+              <a:schemeClr val="tx1"/>
+            </a:solidFill>
+            <a:tailEnd type="triangle"/>
+          </a:ln>
+        </p:spPr>
+        <p:style>
+          <a:lnRef idx="1">
+            <a:schemeClr val="accent1"/>
+          </a:lnRef>
+          <a:fillRef idx="0">
+            <a:schemeClr val="accent1"/>
+          </a:fillRef>
+          <a:effectRef idx="0">
+            <a:schemeClr val="accent1"/>
+          </a:effectRef>
+          <a:fontRef idx="minor">
+            <a:schemeClr val="tx1"/>
+          </a:fontRef>
+        </p:style>
+      </p:cxnSp>
+      <p:sp>
+        <p:nvSpPr>
+          <p:cNvPr id="44" name="TextBox 43">
+            <a:extLst>
+              <a:ext uri="{FF2B5EF4-FFF2-40B4-BE49-F238E27FC236}">
+                <a16:creationId xmlns:a16="http://schemas.microsoft.com/office/drawing/2014/main" id="{40C308E8-2E93-4ED0-BF64-6A7119283178}"/>
+              </a:ext>
+            </a:extLst>
+          </p:cNvPr>
+          <p:cNvSpPr txBox="1"/>
+          <p:nvPr/>
+        </p:nvSpPr>
+        <p:spPr>
+          <a:xfrm>
+            <a:off x="3124190" y="2805610"/>
+            <a:ext cx="476412" cy="276999"/>
+          </a:xfrm>
+          <a:prstGeom prst="rect">
+            <a:avLst/>
+          </a:prstGeom>
+          <a:noFill/>
+        </p:spPr>
+        <p:txBody>
+          <a:bodyPr wrap="none" rtlCol="0">
+            <a:spAutoFit/>
+          </a:bodyPr>
+          <a:lstStyle/>
+          <a:p>
+            <a:r>
+              <a:rPr lang="en-US" sz="1200" dirty="0"/>
+              <a:t>GND</a:t>
+            </a:r>
+          </a:p>
+        </p:txBody>
+      </p:sp>
+      <p:sp>
+        <p:nvSpPr>
+          <p:cNvPr id="45" name="TextBox 44">
+            <a:extLst>
+              <a:ext uri="{FF2B5EF4-FFF2-40B4-BE49-F238E27FC236}">
+                <a16:creationId xmlns:a16="http://schemas.microsoft.com/office/drawing/2014/main" id="{7AC7C466-7639-4280-8486-6400C510FF11}"/>
+              </a:ext>
+            </a:extLst>
+          </p:cNvPr>
+          <p:cNvSpPr txBox="1"/>
+          <p:nvPr/>
+        </p:nvSpPr>
+        <p:spPr>
+          <a:xfrm>
+            <a:off x="3983256" y="2805609"/>
+            <a:ext cx="476412" cy="276999"/>
+          </a:xfrm>
+          <a:prstGeom prst="rect">
+            <a:avLst/>
+          </a:prstGeom>
+          <a:noFill/>
+        </p:spPr>
+        <p:txBody>
+          <a:bodyPr wrap="none" rtlCol="0">
+            <a:spAutoFit/>
+          </a:bodyPr>
+          <a:lstStyle/>
+          <a:p>
+            <a:r>
+              <a:rPr lang="en-US" sz="1200" dirty="0"/>
+              <a:t>GND</a:t>
+            </a:r>
+          </a:p>
+        </p:txBody>
+      </p:sp>
+      <p:sp>
+        <p:nvSpPr>
+          <p:cNvPr id="46" name="TextBox 45">
+            <a:extLst>
+              <a:ext uri="{FF2B5EF4-FFF2-40B4-BE49-F238E27FC236}">
+                <a16:creationId xmlns:a16="http://schemas.microsoft.com/office/drawing/2014/main" id="{2B8326DF-AC40-476B-923C-61125967E063}"/>
+              </a:ext>
+            </a:extLst>
+          </p:cNvPr>
+          <p:cNvSpPr txBox="1"/>
+          <p:nvPr/>
+        </p:nvSpPr>
+        <p:spPr>
+          <a:xfrm>
+            <a:off x="7935652" y="1916359"/>
+            <a:ext cx="476412" cy="276999"/>
+          </a:xfrm>
+          <a:prstGeom prst="rect">
+            <a:avLst/>
+          </a:prstGeom>
+          <a:noFill/>
+        </p:spPr>
+        <p:txBody>
+          <a:bodyPr wrap="none" rtlCol="0">
+            <a:spAutoFit/>
+          </a:bodyPr>
+          <a:lstStyle/>
+          <a:p>
+            <a:r>
+              <a:rPr lang="en-US" sz="1200" dirty="0"/>
+              <a:t>GND</a:t>
+            </a:r>
+          </a:p>
+        </p:txBody>
+      </p:sp>
+      <p:pic>
+        <p:nvPicPr>
+          <p:cNvPr id="47" name="Picture 46">
+            <a:extLst>
+              <a:ext uri="{FF2B5EF4-FFF2-40B4-BE49-F238E27FC236}">
+                <a16:creationId xmlns:a16="http://schemas.microsoft.com/office/drawing/2014/main" id="{035D4B95-D572-4E89-9C35-23E53B86C729}"/>
+              </a:ext>
+            </a:extLst>
+          </p:cNvPr>
+          <p:cNvPicPr>
+            <a:picLocks noChangeAspect="1"/>
+          </p:cNvPicPr>
+          <p:nvPr/>
+        </p:nvPicPr>
+        <p:blipFill>
+          <a:blip r:embed="rId4"/>
+          <a:stretch>
+            <a:fillRect/>
+          </a:stretch>
+        </p:blipFill>
+        <p:spPr>
+          <a:xfrm>
+            <a:off x="1988803" y="4176797"/>
+            <a:ext cx="3528254" cy="1504233"/>
+          </a:xfrm>
+          <a:prstGeom prst="rect">
+            <a:avLst/>
+          </a:prstGeom>
+        </p:spPr>
+      </p:pic>
+      <p:sp>
+        <p:nvSpPr>
+          <p:cNvPr id="48" name="TextBox 47">
+            <a:extLst>
+              <a:ext uri="{FF2B5EF4-FFF2-40B4-BE49-F238E27FC236}">
+                <a16:creationId xmlns:a16="http://schemas.microsoft.com/office/drawing/2014/main" id="{088CFC65-BB59-422C-9F18-4E4BFBD471C1}"/>
+              </a:ext>
+            </a:extLst>
+          </p:cNvPr>
+          <p:cNvSpPr txBox="1"/>
+          <p:nvPr/>
+        </p:nvSpPr>
+        <p:spPr>
+          <a:xfrm>
+            <a:off x="2375141" y="4320763"/>
+            <a:ext cx="458780" cy="369332"/>
+          </a:xfrm>
+          <a:prstGeom prst="rect">
+            <a:avLst/>
+          </a:prstGeom>
+          <a:noFill/>
+        </p:spPr>
+        <p:txBody>
+          <a:bodyPr wrap="none" rtlCol="0">
+            <a:spAutoFit/>
+          </a:bodyPr>
+          <a:lstStyle/>
+          <a:p>
+            <a:r>
+              <a:rPr lang="en-US" b="1" dirty="0"/>
+              <a:t>PU</a:t>
+            </a:r>
+          </a:p>
+        </p:txBody>
+      </p:sp>
+      <p:sp>
+        <p:nvSpPr>
+          <p:cNvPr id="49" name="TextBox 48">
+            <a:extLst>
+              <a:ext uri="{FF2B5EF4-FFF2-40B4-BE49-F238E27FC236}">
+                <a16:creationId xmlns:a16="http://schemas.microsoft.com/office/drawing/2014/main" id="{D52139BE-8B1C-473D-87E7-3962FCE8790E}"/>
+              </a:ext>
+            </a:extLst>
+          </p:cNvPr>
+          <p:cNvSpPr txBox="1"/>
+          <p:nvPr/>
+        </p:nvSpPr>
+        <p:spPr>
+          <a:xfrm>
+            <a:off x="3396649" y="4345931"/>
+            <a:ext cx="630301" cy="369332"/>
+          </a:xfrm>
+          <a:prstGeom prst="rect">
+            <a:avLst/>
+          </a:prstGeom>
+          <a:noFill/>
+        </p:spPr>
+        <p:txBody>
+          <a:bodyPr wrap="none" rtlCol="0">
+            <a:spAutoFit/>
+          </a:bodyPr>
+          <a:lstStyle/>
+          <a:p>
+            <a:r>
+              <a:rPr lang="en-US" b="1" dirty="0"/>
+              <a:t>GND</a:t>
+            </a:r>
+          </a:p>
+        </p:txBody>
+      </p:sp>
+      <p:sp>
+        <p:nvSpPr>
+          <p:cNvPr id="50" name="TextBox 49">
+            <a:extLst>
+              <a:ext uri="{FF2B5EF4-FFF2-40B4-BE49-F238E27FC236}">
+                <a16:creationId xmlns:a16="http://schemas.microsoft.com/office/drawing/2014/main" id="{5E802882-E5BF-4843-8EEC-C35A2AE28677}"/>
+              </a:ext>
+            </a:extLst>
+          </p:cNvPr>
+          <p:cNvSpPr txBox="1"/>
+          <p:nvPr/>
+        </p:nvSpPr>
+        <p:spPr>
+          <a:xfrm>
+            <a:off x="3451577" y="5073579"/>
+            <a:ext cx="458780" cy="369332"/>
+          </a:xfrm>
+          <a:prstGeom prst="rect">
+            <a:avLst/>
+          </a:prstGeom>
+          <a:noFill/>
+        </p:spPr>
+        <p:txBody>
+          <a:bodyPr wrap="none" rtlCol="0">
+            <a:spAutoFit/>
+          </a:bodyPr>
+          <a:lstStyle/>
+          <a:p>
+            <a:r>
+              <a:rPr lang="en-US" b="1" dirty="0"/>
+              <a:t>PU</a:t>
+            </a:r>
+          </a:p>
+        </p:txBody>
+      </p:sp>
+      <p:sp>
+        <p:nvSpPr>
+          <p:cNvPr id="51" name="TextBox 50">
+            <a:extLst>
+              <a:ext uri="{FF2B5EF4-FFF2-40B4-BE49-F238E27FC236}">
+                <a16:creationId xmlns:a16="http://schemas.microsoft.com/office/drawing/2014/main" id="{05EF9FC1-E267-4F05-87B3-82AA21BAB707}"/>
+              </a:ext>
+            </a:extLst>
+          </p:cNvPr>
+          <p:cNvSpPr txBox="1"/>
+          <p:nvPr/>
+        </p:nvSpPr>
+        <p:spPr>
+          <a:xfrm>
+            <a:off x="4477103" y="5047249"/>
+            <a:ext cx="630301" cy="369332"/>
+          </a:xfrm>
+          <a:prstGeom prst="rect">
+            <a:avLst/>
+          </a:prstGeom>
+          <a:noFill/>
+        </p:spPr>
+        <p:txBody>
+          <a:bodyPr wrap="none" rtlCol="0">
+            <a:spAutoFit/>
+          </a:bodyPr>
+          <a:lstStyle/>
+          <a:p>
+            <a:r>
+              <a:rPr lang="en-US" b="1" dirty="0"/>
+              <a:t>GND</a:t>
+            </a:r>
+          </a:p>
+        </p:txBody>
+      </p:sp>
+      <p:pic>
+        <p:nvPicPr>
+          <p:cNvPr id="52" name="Picture 51">
+            <a:extLst>
+              <a:ext uri="{FF2B5EF4-FFF2-40B4-BE49-F238E27FC236}">
+                <a16:creationId xmlns:a16="http://schemas.microsoft.com/office/drawing/2014/main" id="{F94A8C6D-CE4D-4094-924A-845B5F7C6BF1}"/>
+              </a:ext>
+            </a:extLst>
+          </p:cNvPr>
+          <p:cNvPicPr>
+            <a:picLocks noChangeAspect="1"/>
+          </p:cNvPicPr>
+          <p:nvPr/>
+        </p:nvPicPr>
+        <p:blipFill>
+          <a:blip r:embed="rId5"/>
+          <a:stretch>
+            <a:fillRect/>
+          </a:stretch>
+        </p:blipFill>
+        <p:spPr>
+          <a:xfrm>
+            <a:off x="6773976" y="3570365"/>
+            <a:ext cx="1637006" cy="2498214"/>
+          </a:xfrm>
+          <a:prstGeom prst="rect">
+            <a:avLst/>
+          </a:prstGeom>
+        </p:spPr>
+      </p:pic>
+      <p:sp>
+        <p:nvSpPr>
+          <p:cNvPr id="53" name="TextBox 52">
+            <a:extLst>
+              <a:ext uri="{FF2B5EF4-FFF2-40B4-BE49-F238E27FC236}">
+                <a16:creationId xmlns:a16="http://schemas.microsoft.com/office/drawing/2014/main" id="{86374784-9DE8-465A-B4FB-BCCAB3E5C0BD}"/>
+              </a:ext>
+            </a:extLst>
+          </p:cNvPr>
+          <p:cNvSpPr txBox="1"/>
+          <p:nvPr/>
+        </p:nvSpPr>
+        <p:spPr>
+          <a:xfrm>
+            <a:off x="7219696" y="3648465"/>
+            <a:ext cx="458780" cy="369332"/>
+          </a:xfrm>
+          <a:prstGeom prst="rect">
+            <a:avLst/>
+          </a:prstGeom>
+          <a:noFill/>
+        </p:spPr>
+        <p:txBody>
+          <a:bodyPr wrap="none" rtlCol="0">
+            <a:spAutoFit/>
+          </a:bodyPr>
+          <a:lstStyle/>
+          <a:p>
+            <a:r>
+              <a:rPr lang="en-US" b="1" dirty="0"/>
+              <a:t>PU</a:t>
+            </a:r>
+          </a:p>
+        </p:txBody>
+      </p:sp>
+      <p:sp>
+        <p:nvSpPr>
+          <p:cNvPr id="54" name="TextBox 53">
+            <a:extLst>
+              <a:ext uri="{FF2B5EF4-FFF2-40B4-BE49-F238E27FC236}">
+                <a16:creationId xmlns:a16="http://schemas.microsoft.com/office/drawing/2014/main" id="{34703A2E-EA71-4DCE-9C6F-CD7D08EEB43B}"/>
+              </a:ext>
+            </a:extLst>
+          </p:cNvPr>
+          <p:cNvSpPr txBox="1"/>
+          <p:nvPr/>
+        </p:nvSpPr>
+        <p:spPr>
+          <a:xfrm>
+            <a:off x="7133935" y="4673856"/>
+            <a:ext cx="630301" cy="369332"/>
+          </a:xfrm>
+          <a:prstGeom prst="rect">
+            <a:avLst/>
+          </a:prstGeom>
+          <a:noFill/>
+        </p:spPr>
+        <p:txBody>
+          <a:bodyPr wrap="none" rtlCol="0">
+            <a:spAutoFit/>
+          </a:bodyPr>
+          <a:lstStyle/>
+          <a:p>
+            <a:r>
+              <a:rPr lang="en-US" b="1" dirty="0"/>
+              <a:t>GND</a:t>
+            </a:r>
+          </a:p>
+        </p:txBody>
+      </p:sp>
     </p:spTree>
     <p:extLst>
       <p:ext uri="{BB962C8B-B14F-4D97-AF65-F5344CB8AC3E}">
